--- a/files/Day2CogPsych_Edited.pptx
+++ b/files/Day2CogPsych_Edited.pptx
@@ -5,7 +5,7 @@
     <p:sldMasterId id="2147483659" r:id="rId1"/>
   </p:sldMasterIdLst>
   <p:notesMasterIdLst>
-    <p:notesMasterId r:id="rId32"/>
+    <p:notesMasterId r:id="rId31"/>
   </p:notesMasterIdLst>
   <p:sldIdLst>
     <p:sldId id="256" r:id="rId2"/>
@@ -23,38 +23,37 @@
     <p:sldId id="268" r:id="rId14"/>
     <p:sldId id="269" r:id="rId15"/>
     <p:sldId id="270" r:id="rId16"/>
-    <p:sldId id="271" r:id="rId17"/>
-    <p:sldId id="272" r:id="rId18"/>
-    <p:sldId id="273" r:id="rId19"/>
-    <p:sldId id="274" r:id="rId20"/>
-    <p:sldId id="275" r:id="rId21"/>
-    <p:sldId id="276" r:id="rId22"/>
-    <p:sldId id="277" r:id="rId23"/>
-    <p:sldId id="278" r:id="rId24"/>
-    <p:sldId id="279" r:id="rId25"/>
-    <p:sldId id="280" r:id="rId26"/>
-    <p:sldId id="281" r:id="rId27"/>
-    <p:sldId id="283" r:id="rId28"/>
-    <p:sldId id="298" r:id="rId29"/>
-    <p:sldId id="299" r:id="rId30"/>
-    <p:sldId id="300" r:id="rId31"/>
+    <p:sldId id="272" r:id="rId17"/>
+    <p:sldId id="273" r:id="rId18"/>
+    <p:sldId id="274" r:id="rId19"/>
+    <p:sldId id="275" r:id="rId20"/>
+    <p:sldId id="276" r:id="rId21"/>
+    <p:sldId id="277" r:id="rId22"/>
+    <p:sldId id="278" r:id="rId23"/>
+    <p:sldId id="279" r:id="rId24"/>
+    <p:sldId id="280" r:id="rId25"/>
+    <p:sldId id="281" r:id="rId26"/>
+    <p:sldId id="283" r:id="rId27"/>
+    <p:sldId id="298" r:id="rId28"/>
+    <p:sldId id="299" r:id="rId29"/>
+    <p:sldId id="300" r:id="rId30"/>
   </p:sldIdLst>
   <p:sldSz cx="9144000" cy="5143500" type="screen16x9"/>
   <p:notesSz cx="6858000" cy="9144000"/>
   <p:embeddedFontLst>
     <p:embeddedFont>
-      <p:font typeface="Raleway" panose="020B0604020202020204" charset="0"/>
-      <p:regular r:id="rId33"/>
-      <p:bold r:id="rId34"/>
-      <p:italic r:id="rId35"/>
-      <p:boldItalic r:id="rId36"/>
+      <p:font typeface="Lato" panose="020B0604020202020204" charset="0"/>
+      <p:regular r:id="rId32"/>
+      <p:bold r:id="rId33"/>
+      <p:italic r:id="rId34"/>
+      <p:boldItalic r:id="rId35"/>
     </p:embeddedFont>
     <p:embeddedFont>
-      <p:font typeface="Lato" panose="020B0604020202020204" charset="0"/>
-      <p:regular r:id="rId37"/>
-      <p:bold r:id="rId38"/>
-      <p:italic r:id="rId39"/>
-      <p:boldItalic r:id="rId40"/>
+      <p:font typeface="Raleway" panose="020B0604020202020204" charset="0"/>
+      <p:regular r:id="rId36"/>
+      <p:bold r:id="rId37"/>
+      <p:italic r:id="rId38"/>
+      <p:boldItalic r:id="rId39"/>
     </p:embeddedFont>
   </p:embeddedFontLst>
   <p:defaultTextStyle>
@@ -1505,7 +1504,7 @@
   <p:cSld>
     <p:spTree>
       <p:nvGrpSpPr>
-        <p:cNvPr id="1" name="Shape 176"/>
+        <p:cNvPr id="1" name="Shape 182"/>
         <p:cNvGrpSpPr/>
         <p:nvPr/>
       </p:nvGrpSpPr>
@@ -1519,7 +1518,7 @@
       </p:grpSpPr>
       <p:sp>
         <p:nvSpPr>
-          <p:cNvPr id="177" name="Google Shape;177;g5a265c7525_0_33:notes"/>
+          <p:cNvPr id="183" name="Google Shape;183;g517ee9f7f1_0_20:notes"/>
           <p:cNvSpPr>
             <a:spLocks noGrp="1" noRot="1" noChangeAspect="1"/>
           </p:cNvSpPr>
@@ -1560,7 +1559,7 @@
       </p:sp>
       <p:sp>
         <p:nvSpPr>
-          <p:cNvPr id="178" name="Google Shape;178;g5a265c7525_0_33:notes"/>
+          <p:cNvPr id="184" name="Google Shape;184;g517ee9f7f1_0_20:notes"/>
           <p:cNvSpPr txBox="1">
             <a:spLocks noGrp="1"/>
           </p:cNvSpPr>
@@ -1593,94 +1592,10 @@
               <a:buNone/>
             </a:pPr>
             <a:r>
-              <a:rPr lang="en" dirty="0"/>
-              <a:t>First question: inspired by study on synchronized attention from Dikker (Bevilacqua, D., Davidesco, I., Wan, L., Chaloner, K., Rowland, J., Ding, M., ... &amp; Dikker, S. (2019). Brain-to-brain synchrony and learning outcomes vary by student–teacher dynamics: Evidence from a real-world classroom electroencephalography study. Journal of cognitive neuroscience, 31(3), 401-411.)</a:t>
-            </a:r>
-            <a:endParaRPr dirty="0"/>
-          </a:p>
-          <a:p>
-            <a:pPr marL="0" lvl="0" indent="0" algn="l" rtl="0">
-              <a:spcBef>
-                <a:spcPts val="0"/>
-              </a:spcBef>
-              <a:spcAft>
-                <a:spcPts val="0"/>
-              </a:spcAft>
-              <a:buNone/>
-            </a:pPr>
-            <a:endParaRPr dirty="0"/>
-          </a:p>
-          <a:p>
-            <a:pPr marL="0" lvl="0" indent="0" algn="l" rtl="0">
-              <a:spcBef>
-                <a:spcPts val="0"/>
-              </a:spcBef>
-              <a:spcAft>
-                <a:spcPts val="0"/>
-              </a:spcAft>
-              <a:buNone/>
-            </a:pPr>
-            <a:r>
-              <a:rPr lang="en" dirty="0"/>
-              <a:t>Second question: cognitive control usually associated w/ prefrontal cortex</a:t>
-            </a:r>
-            <a:endParaRPr dirty="0"/>
-          </a:p>
-          <a:p>
-            <a:pPr marL="0" lvl="0" indent="0" algn="l" rtl="0">
-              <a:spcBef>
-                <a:spcPts val="0"/>
-              </a:spcBef>
-              <a:spcAft>
-                <a:spcPts val="0"/>
-              </a:spcAft>
-              <a:buNone/>
-            </a:pPr>
-            <a:endParaRPr dirty="0"/>
-          </a:p>
-          <a:p>
-            <a:pPr marL="0" lvl="0" indent="0" algn="l" rtl="0">
-              <a:spcBef>
-                <a:spcPts val="0"/>
-              </a:spcBef>
-              <a:spcAft>
-                <a:spcPts val="0"/>
-              </a:spcAft>
-              <a:buNone/>
-            </a:pPr>
-            <a:r>
-              <a:rPr lang="en" dirty="0"/>
-              <a:t>Third question: Inspired by curiosity PsyArxiv paper we will read</a:t>
-            </a:r>
-            <a:endParaRPr dirty="0"/>
-          </a:p>
-          <a:p>
-            <a:pPr marL="0" lvl="0" indent="0" algn="l" rtl="0">
-              <a:spcBef>
-                <a:spcPts val="0"/>
-              </a:spcBef>
-              <a:spcAft>
-                <a:spcPts val="0"/>
-              </a:spcAft>
-              <a:buNone/>
-            </a:pPr>
-            <a:endParaRPr dirty="0"/>
-          </a:p>
-          <a:p>
-            <a:pPr marL="0" lvl="0" indent="0" algn="l" rtl="0">
-              <a:spcBef>
-                <a:spcPts val="0"/>
-              </a:spcBef>
-              <a:spcAft>
-                <a:spcPts val="0"/>
-              </a:spcAft>
-              <a:buNone/>
-            </a:pPr>
-            <a:r>
-              <a:rPr lang="en" dirty="0"/>
-              <a:t>Fourth question: inspired by various decision-making tasks from Huettel lab that combine modeling, eye-tracking, etc.</a:t>
-            </a:r>
-            <a:endParaRPr dirty="0"/>
+              <a:rPr lang="en"/>
+              <a:t>Putting people at duke</a:t>
+            </a:r>
+            <a:endParaRPr/>
           </a:p>
         </p:txBody>
       </p:sp>
@@ -1697,7 +1612,7 @@
   <p:cSld>
     <p:spTree>
       <p:nvGrpSpPr>
-        <p:cNvPr id="1" name="Shape 182"/>
+        <p:cNvPr id="1" name="Shape 188"/>
         <p:cNvGrpSpPr/>
         <p:nvPr/>
       </p:nvGrpSpPr>
@@ -1711,7 +1626,7 @@
       </p:grpSpPr>
       <p:sp>
         <p:nvSpPr>
-          <p:cNvPr id="183" name="Google Shape;183;g517ee9f7f1_0_20:notes"/>
+          <p:cNvPr id="189" name="Google Shape;189;g517ee9f7f1_0_28:notes"/>
           <p:cNvSpPr>
             <a:spLocks noGrp="1" noRot="1" noChangeAspect="1"/>
           </p:cNvSpPr>
@@ -1752,7 +1667,7 @@
       </p:sp>
       <p:sp>
         <p:nvSpPr>
-          <p:cNvPr id="184" name="Google Shape;184;g517ee9f7f1_0_20:notes"/>
+          <p:cNvPr id="190" name="Google Shape;190;g517ee9f7f1_0_28:notes"/>
           <p:cNvSpPr txBox="1">
             <a:spLocks noGrp="1"/>
           </p:cNvSpPr>
@@ -1784,10 +1699,6 @@
               </a:spcAft>
               <a:buNone/>
             </a:pPr>
-            <a:r>
-              <a:rPr lang="en"/>
-              <a:t>Putting people at duke</a:t>
-            </a:r>
             <a:endParaRPr/>
           </a:p>
         </p:txBody>
@@ -1805,7 +1716,7 @@
   <p:cSld>
     <p:spTree>
       <p:nvGrpSpPr>
-        <p:cNvPr id="1" name="Shape 188"/>
+        <p:cNvPr id="1" name="Shape 194"/>
         <p:cNvGrpSpPr/>
         <p:nvPr/>
       </p:nvGrpSpPr>
@@ -1819,7 +1730,7 @@
       </p:grpSpPr>
       <p:sp>
         <p:nvSpPr>
-          <p:cNvPr id="189" name="Google Shape;189;g517ee9f7f1_0_28:notes"/>
+          <p:cNvPr id="195" name="Google Shape;195;g517ee9f7f1_0_70:notes"/>
           <p:cNvSpPr>
             <a:spLocks noGrp="1" noRot="1" noChangeAspect="1"/>
           </p:cNvSpPr>
@@ -1860,7 +1771,7 @@
       </p:sp>
       <p:sp>
         <p:nvSpPr>
-          <p:cNvPr id="190" name="Google Shape;190;g517ee9f7f1_0_28:notes"/>
+          <p:cNvPr id="196" name="Google Shape;196;g517ee9f7f1_0_70:notes"/>
           <p:cNvSpPr txBox="1">
             <a:spLocks noGrp="1"/>
           </p:cNvSpPr>
@@ -1884,15 +1795,114 @@
           <a:lstStyle/>
           <a:p>
             <a:pPr marL="0" lvl="0" indent="0" algn="l" rtl="0">
-              <a:spcBef>
-                <a:spcPts val="0"/>
-              </a:spcBef>
-              <a:spcAft>
-                <a:spcPts val="0"/>
-              </a:spcAft>
-              <a:buNone/>
-            </a:pPr>
-            <a:endParaRPr/>
+              <a:lnSpc>
+                <a:spcPct val="115000"/>
+              </a:lnSpc>
+              <a:spcBef>
+                <a:spcPts val="0"/>
+              </a:spcBef>
+              <a:spcAft>
+                <a:spcPts val="0"/>
+              </a:spcAft>
+              <a:buClr>
+                <a:schemeClr val="dk1"/>
+              </a:buClr>
+              <a:buSzPts val="1100"/>
+              <a:buFont typeface="Arial"/>
+              <a:buNone/>
+            </a:pPr>
+            <a:r>
+              <a:rPr lang="en" dirty="0">
+                <a:solidFill>
+                  <a:schemeClr val="dk1"/>
+                </a:solidFill>
+              </a:rPr>
+              <a:t>Show me with a raise of hands, how many of you think this is a reliable measure? Why/why not? (reliable--likely to get the same answer if you took it in a couple weeks, your preferences likely don’t change)</a:t>
+            </a:r>
+            <a:endParaRPr dirty="0">
+              <a:solidFill>
+                <a:schemeClr val="dk1"/>
+              </a:solidFill>
+            </a:endParaRPr>
+          </a:p>
+          <a:p>
+            <a:pPr marL="0" lvl="0" indent="0" algn="l" rtl="0">
+              <a:lnSpc>
+                <a:spcPct val="115000"/>
+              </a:lnSpc>
+              <a:spcBef>
+                <a:spcPts val="0"/>
+              </a:spcBef>
+              <a:spcAft>
+                <a:spcPts val="0"/>
+              </a:spcAft>
+              <a:buClr>
+                <a:schemeClr val="dk1"/>
+              </a:buClr>
+              <a:buSzPts val="1100"/>
+              <a:buFont typeface="Arial"/>
+              <a:buNone/>
+            </a:pPr>
+            <a:r>
+              <a:rPr lang="en" dirty="0">
+                <a:solidFill>
+                  <a:schemeClr val="dk1"/>
+                </a:solidFill>
+              </a:rPr>
+              <a:t>But are these surveys a valid measure of your personality? Probably not.</a:t>
+            </a:r>
+            <a:endParaRPr sz="1050" dirty="0">
+              <a:solidFill>
+                <a:srgbClr val="FFFFFF"/>
+              </a:solidFill>
+              <a:highlight>
+                <a:srgbClr val="0084FF"/>
+              </a:highlight>
+            </a:endParaRPr>
+          </a:p>
+          <a:p>
+            <a:pPr marL="0" lvl="0" indent="0" algn="l" rtl="0">
+              <a:lnSpc>
+                <a:spcPct val="115000"/>
+              </a:lnSpc>
+              <a:spcBef>
+                <a:spcPts val="0"/>
+              </a:spcBef>
+              <a:spcAft>
+                <a:spcPts val="0"/>
+              </a:spcAft>
+              <a:buClr>
+                <a:schemeClr val="dk1"/>
+              </a:buClr>
+              <a:buSzPts val="1100"/>
+              <a:buFont typeface="Arial"/>
+              <a:buNone/>
+            </a:pPr>
+            <a:r>
+              <a:rPr lang="en" dirty="0">
+                <a:solidFill>
+                  <a:schemeClr val="dk1"/>
+                </a:solidFill>
+              </a:rPr>
+              <a:t>Remember, reliable does not imply valid, but to be valid you HAVE to be reliable.</a:t>
+            </a:r>
+            <a:endParaRPr dirty="0">
+              <a:solidFill>
+                <a:schemeClr val="dk1"/>
+              </a:solidFill>
+            </a:endParaRPr>
+          </a:p>
+          <a:p>
+            <a:pPr marL="0" lvl="0" indent="0" algn="l" rtl="0">
+              <a:spcBef>
+                <a:spcPts val="0"/>
+              </a:spcBef>
+              <a:spcAft>
+                <a:spcPts val="0"/>
+              </a:spcAft>
+              <a:buNone/>
+            </a:pPr>
+            <a:endParaRPr dirty="0"/>
           </a:p>
         </p:txBody>
       </p:sp>
@@ -1909,7 +1919,7 @@
   <p:cSld>
     <p:spTree>
       <p:nvGrpSpPr>
-        <p:cNvPr id="1" name="Shape 194"/>
+        <p:cNvPr id="1" name="Shape 201"/>
         <p:cNvGrpSpPr/>
         <p:nvPr/>
       </p:nvGrpSpPr>
@@ -1923,7 +1933,7 @@
       </p:grpSpPr>
       <p:sp>
         <p:nvSpPr>
-          <p:cNvPr id="195" name="Google Shape;195;g517ee9f7f1_0_70:notes"/>
+          <p:cNvPr id="202" name="Google Shape;202;g517ee9f7f1_0_79:notes"/>
           <p:cNvSpPr>
             <a:spLocks noGrp="1" noRot="1" noChangeAspect="1"/>
           </p:cNvSpPr>
@@ -1964,7 +1974,7 @@
       </p:sp>
       <p:sp>
         <p:nvSpPr>
-          <p:cNvPr id="196" name="Google Shape;196;g517ee9f7f1_0_70:notes"/>
+          <p:cNvPr id="203" name="Google Shape;203;g517ee9f7f1_0_79:notes"/>
           <p:cNvSpPr txBox="1">
             <a:spLocks noGrp="1"/>
           </p:cNvSpPr>
@@ -1988,114 +1998,15 @@
           <a:lstStyle/>
           <a:p>
             <a:pPr marL="0" lvl="0" indent="0" algn="l" rtl="0">
-              <a:lnSpc>
-                <a:spcPct val="115000"/>
-              </a:lnSpc>
-              <a:spcBef>
-                <a:spcPts val="0"/>
-              </a:spcBef>
-              <a:spcAft>
-                <a:spcPts val="0"/>
-              </a:spcAft>
-              <a:buClr>
-                <a:schemeClr val="dk1"/>
-              </a:buClr>
-              <a:buSzPts val="1100"/>
-              <a:buFont typeface="Arial"/>
-              <a:buNone/>
-            </a:pPr>
-            <a:r>
-              <a:rPr lang="en" dirty="0">
-                <a:solidFill>
-                  <a:schemeClr val="dk1"/>
-                </a:solidFill>
-              </a:rPr>
-              <a:t>Show me with a raise of hands, how many of you think this is a reliable measure? Why/why not? (reliable--likely to get the same answer if you took it in a couple weeks, your preferences likely don’t change)</a:t>
-            </a:r>
-            <a:endParaRPr dirty="0">
-              <a:solidFill>
-                <a:schemeClr val="dk1"/>
-              </a:solidFill>
-            </a:endParaRPr>
-          </a:p>
-          <a:p>
-            <a:pPr marL="0" lvl="0" indent="0" algn="l" rtl="0">
-              <a:lnSpc>
-                <a:spcPct val="115000"/>
-              </a:lnSpc>
-              <a:spcBef>
-                <a:spcPts val="0"/>
-              </a:spcBef>
-              <a:spcAft>
-                <a:spcPts val="0"/>
-              </a:spcAft>
-              <a:buClr>
-                <a:schemeClr val="dk1"/>
-              </a:buClr>
-              <a:buSzPts val="1100"/>
-              <a:buFont typeface="Arial"/>
-              <a:buNone/>
-            </a:pPr>
-            <a:r>
-              <a:rPr lang="en" dirty="0">
-                <a:solidFill>
-                  <a:schemeClr val="dk1"/>
-                </a:solidFill>
-              </a:rPr>
-              <a:t>But are these surveys a valid measure of your personality? Probably not.</a:t>
-            </a:r>
-            <a:endParaRPr sz="1050" dirty="0">
-              <a:solidFill>
-                <a:srgbClr val="FFFFFF"/>
-              </a:solidFill>
-              <a:highlight>
-                <a:srgbClr val="0084FF"/>
-              </a:highlight>
-            </a:endParaRPr>
-          </a:p>
-          <a:p>
-            <a:pPr marL="0" lvl="0" indent="0" algn="l" rtl="0">
-              <a:lnSpc>
-                <a:spcPct val="115000"/>
-              </a:lnSpc>
-              <a:spcBef>
-                <a:spcPts val="0"/>
-              </a:spcBef>
-              <a:spcAft>
-                <a:spcPts val="0"/>
-              </a:spcAft>
-              <a:buClr>
-                <a:schemeClr val="dk1"/>
-              </a:buClr>
-              <a:buSzPts val="1100"/>
-              <a:buFont typeface="Arial"/>
-              <a:buNone/>
-            </a:pPr>
-            <a:r>
-              <a:rPr lang="en" dirty="0">
-                <a:solidFill>
-                  <a:schemeClr val="dk1"/>
-                </a:solidFill>
-              </a:rPr>
-              <a:t>Remember, reliable does not imply valid, but to be valid you HAVE to be reliable.</a:t>
-            </a:r>
-            <a:endParaRPr dirty="0">
-              <a:solidFill>
-                <a:schemeClr val="dk1"/>
-              </a:solidFill>
-            </a:endParaRPr>
-          </a:p>
-          <a:p>
-            <a:pPr marL="0" lvl="0" indent="0" algn="l" rtl="0">
-              <a:spcBef>
-                <a:spcPts val="0"/>
-              </a:spcBef>
-              <a:spcAft>
-                <a:spcPts val="0"/>
-              </a:spcAft>
-              <a:buNone/>
-            </a:pPr>
-            <a:endParaRPr dirty="0"/>
+              <a:spcBef>
+                <a:spcPts val="0"/>
+              </a:spcBef>
+              <a:spcAft>
+                <a:spcPts val="0"/>
+              </a:spcAft>
+              <a:buNone/>
+            </a:pPr>
+            <a:endParaRPr/>
           </a:p>
         </p:txBody>
       </p:sp>
@@ -2216,7 +2127,7 @@
   <p:cSld>
     <p:spTree>
       <p:nvGrpSpPr>
-        <p:cNvPr id="1" name="Shape 201"/>
+        <p:cNvPr id="1" name="Shape 207"/>
         <p:cNvGrpSpPr/>
         <p:nvPr/>
       </p:nvGrpSpPr>
@@ -2230,7 +2141,7 @@
       </p:grpSpPr>
       <p:sp>
         <p:nvSpPr>
-          <p:cNvPr id="202" name="Google Shape;202;g517ee9f7f1_0_79:notes"/>
+          <p:cNvPr id="208" name="Google Shape;208;g517ee9f7f1_0_84:notes"/>
           <p:cNvSpPr>
             <a:spLocks noGrp="1" noRot="1" noChangeAspect="1"/>
           </p:cNvSpPr>
@@ -2271,7 +2182,7 @@
       </p:sp>
       <p:sp>
         <p:nvSpPr>
-          <p:cNvPr id="203" name="Google Shape;203;g517ee9f7f1_0_79:notes"/>
+          <p:cNvPr id="209" name="Google Shape;209;g517ee9f7f1_0_84:notes"/>
           <p:cNvSpPr txBox="1">
             <a:spLocks noGrp="1"/>
           </p:cNvSpPr>
@@ -2293,6 +2204,104 @@
             <a:noAutofit/>
           </a:bodyPr>
           <a:lstStyle/>
+          <a:p>
+            <a:pPr marL="0" lvl="0" indent="0" algn="l" rtl="0">
+              <a:lnSpc>
+                <a:spcPct val="115000"/>
+              </a:lnSpc>
+              <a:spcBef>
+                <a:spcPts val="0"/>
+              </a:spcBef>
+              <a:spcAft>
+                <a:spcPts val="0"/>
+              </a:spcAft>
+              <a:buClr>
+                <a:schemeClr val="dk1"/>
+              </a:buClr>
+              <a:buSzPts val="1100"/>
+              <a:buFont typeface="Arial"/>
+              <a:buNone/>
+            </a:pPr>
+            <a:r>
+              <a:rPr lang="en">
+                <a:solidFill>
+                  <a:schemeClr val="dk1"/>
+                </a:solidFill>
+              </a:rPr>
+              <a:t>(original file is histograms for IQ test components)</a:t>
+            </a:r>
+            <a:endParaRPr>
+              <a:solidFill>
+                <a:schemeClr val="dk1"/>
+              </a:solidFill>
+            </a:endParaRPr>
+          </a:p>
+          <a:p>
+            <a:pPr marL="0" lvl="0" indent="0" algn="l" rtl="0">
+              <a:lnSpc>
+                <a:spcPct val="115000"/>
+              </a:lnSpc>
+              <a:spcBef>
+                <a:spcPts val="0"/>
+              </a:spcBef>
+              <a:spcAft>
+                <a:spcPts val="0"/>
+              </a:spcAft>
+              <a:buClr>
+                <a:schemeClr val="dk1"/>
+              </a:buClr>
+              <a:buSzPts val="1100"/>
+              <a:buFont typeface="Arial"/>
+              <a:buNone/>
+            </a:pPr>
+            <a:r>
+              <a:rPr lang="en" u="sng">
+                <a:solidFill>
+                  <a:schemeClr val="hlink"/>
+                </a:solidFill>
+                <a:hlinkClick r:id="rId3"/>
+              </a:rPr>
+              <a:t>https://www.quora.com/What-does-a-small-standard-deviation-signify</a:t>
+            </a:r>
+            <a:endParaRPr u="sng">
+              <a:solidFill>
+                <a:schemeClr val="hlink"/>
+              </a:solidFill>
+              <a:hlinkClick r:id="rId3"/>
+            </a:endParaRPr>
+          </a:p>
+          <a:p>
+            <a:pPr marL="0" lvl="0" indent="0" algn="l" rtl="0">
+              <a:lnSpc>
+                <a:spcPct val="115000"/>
+              </a:lnSpc>
+              <a:spcBef>
+                <a:spcPts val="0"/>
+              </a:spcBef>
+              <a:spcAft>
+                <a:spcPts val="0"/>
+              </a:spcAft>
+              <a:buClr>
+                <a:schemeClr val="dk1"/>
+              </a:buClr>
+              <a:buSzPts val="1100"/>
+              <a:buFont typeface="Arial"/>
+              <a:buNone/>
+            </a:pPr>
+            <a:r>
+              <a:rPr lang="en">
+                <a:solidFill>
+                  <a:schemeClr val="dk1"/>
+                </a:solidFill>
+              </a:rPr>
+              <a:t>Is the mean or average between these three graphs the same or different? SAME. *click*</a:t>
+            </a:r>
+            <a:endParaRPr>
+              <a:solidFill>
+                <a:schemeClr val="dk1"/>
+              </a:solidFill>
+            </a:endParaRPr>
+          </a:p>
           <a:p>
             <a:pPr marL="0" lvl="0" indent="0" algn="l" rtl="0">
               <a:spcBef>
@@ -2320,7 +2329,7 @@
   <p:cSld>
     <p:spTree>
       <p:nvGrpSpPr>
-        <p:cNvPr id="1" name="Shape 207"/>
+        <p:cNvPr id="1" name="Shape 213"/>
         <p:cNvGrpSpPr/>
         <p:nvPr/>
       </p:nvGrpSpPr>
@@ -2334,7 +2343,7 @@
       </p:grpSpPr>
       <p:sp>
         <p:nvSpPr>
-          <p:cNvPr id="208" name="Google Shape;208;g517ee9f7f1_0_84:notes"/>
+          <p:cNvPr id="214" name="Google Shape;214;g517ee9f7f1_0_94:notes"/>
           <p:cNvSpPr>
             <a:spLocks noGrp="1" noRot="1" noChangeAspect="1"/>
           </p:cNvSpPr>
@@ -2375,7 +2384,7 @@
       </p:sp>
       <p:sp>
         <p:nvSpPr>
-          <p:cNvPr id="209" name="Google Shape;209;g517ee9f7f1_0_84:notes"/>
+          <p:cNvPr id="215" name="Google Shape;215;g517ee9f7f1_0_94:notes"/>
           <p:cNvSpPr txBox="1">
             <a:spLocks noGrp="1"/>
           </p:cNvSpPr>
@@ -2408,11 +2417,6 @@
               <a:spcAft>
                 <a:spcPts val="0"/>
               </a:spcAft>
-              <a:buClr>
-                <a:schemeClr val="dk1"/>
-              </a:buClr>
-              <a:buSzPts val="1100"/>
-              <a:buFont typeface="Arial"/>
               <a:buNone/>
             </a:pPr>
             <a:r>
@@ -2440,11 +2444,6 @@
               <a:spcAft>
                 <a:spcPts val="0"/>
               </a:spcAft>
-              <a:buClr>
-                <a:schemeClr val="dk1"/>
-              </a:buClr>
-              <a:buSzPts val="1100"/>
-              <a:buFont typeface="Arial"/>
               <a:buNone/>
             </a:pPr>
             <a:r>
@@ -2474,11 +2473,6 @@
               <a:spcAft>
                 <a:spcPts val="0"/>
               </a:spcAft>
-              <a:buClr>
-                <a:schemeClr val="dk1"/>
-              </a:buClr>
-              <a:buSzPts val="1100"/>
-              <a:buFont typeface="Arial"/>
               <a:buNone/>
             </a:pPr>
             <a:r>
@@ -2522,7 +2516,7 @@
   <p:cSld>
     <p:spTree>
       <p:nvGrpSpPr>
-        <p:cNvPr id="1" name="Shape 213"/>
+        <p:cNvPr id="1" name="Shape 219"/>
         <p:cNvGrpSpPr/>
         <p:nvPr/>
       </p:nvGrpSpPr>
@@ -2536,7 +2530,7 @@
       </p:grpSpPr>
       <p:sp>
         <p:nvSpPr>
-          <p:cNvPr id="214" name="Google Shape;214;g517ee9f7f1_0_94:notes"/>
+          <p:cNvPr id="220" name="Google Shape;220;g517ee9f7f1_0_110:notes"/>
           <p:cNvSpPr>
             <a:spLocks noGrp="1" noRot="1" noChangeAspect="1"/>
           </p:cNvSpPr>
@@ -2577,7 +2571,7 @@
       </p:sp>
       <p:sp>
         <p:nvSpPr>
-          <p:cNvPr id="215" name="Google Shape;215;g517ee9f7f1_0_94:notes"/>
+          <p:cNvPr id="221" name="Google Shape;221;g517ee9f7f1_0_110:notes"/>
           <p:cNvSpPr txBox="1">
             <a:spLocks noGrp="1"/>
           </p:cNvSpPr>
@@ -2610,6 +2604,11 @@
               <a:spcAft>
                 <a:spcPts val="0"/>
               </a:spcAft>
+              <a:buClr>
+                <a:schemeClr val="dk1"/>
+              </a:buClr>
+              <a:buSzPts val="1100"/>
+              <a:buFont typeface="Arial"/>
               <a:buNone/>
             </a:pPr>
             <a:r>
@@ -2618,7 +2617,7 @@
                   <a:schemeClr val="dk1"/>
                 </a:solidFill>
               </a:rPr>
-              <a:t>(original file is histograms for IQ test components)</a:t>
+              <a:t>Go ahead and decide, in your head, which graph has the largest deviation. Think about it for a sec….[wait time]... And on 3, go ahead and tell me on your fingers what you think...3, 2, 1… tell me.</a:t>
             </a:r>
             <a:endParaRPr>
               <a:solidFill>
@@ -2628,71 +2627,19 @@
           </a:p>
           <a:p>
             <a:pPr marL="0" lvl="0" indent="0" algn="l" rtl="0">
-              <a:lnSpc>
-                <a:spcPct val="115000"/>
-              </a:lnSpc>
-              <a:spcBef>
-                <a:spcPts val="0"/>
-              </a:spcBef>
-              <a:spcAft>
-                <a:spcPts val="0"/>
-              </a:spcAft>
-              <a:buNone/>
-            </a:pPr>
-            <a:r>
-              <a:rPr lang="en" u="sng">
-                <a:solidFill>
-                  <a:schemeClr val="hlink"/>
-                </a:solidFill>
-                <a:hlinkClick r:id="rId3"/>
-              </a:rPr>
-              <a:t>https://www.quora.com/What-does-a-small-standard-deviation-signify</a:t>
-            </a:r>
-            <a:endParaRPr u="sng">
-              <a:solidFill>
-                <a:schemeClr val="hlink"/>
-              </a:solidFill>
-              <a:hlinkClick r:id="rId3"/>
-            </a:endParaRPr>
-          </a:p>
-          <a:p>
-            <a:pPr marL="0" lvl="0" indent="0" algn="l" rtl="0">
-              <a:lnSpc>
-                <a:spcPct val="115000"/>
-              </a:lnSpc>
-              <a:spcBef>
-                <a:spcPts val="0"/>
-              </a:spcBef>
-              <a:spcAft>
-                <a:spcPts val="0"/>
-              </a:spcAft>
-              <a:buNone/>
-            </a:pPr>
-            <a:r>
-              <a:rPr lang="en">
-                <a:solidFill>
-                  <a:schemeClr val="dk1"/>
-                </a:solidFill>
-              </a:rPr>
-              <a:t>Is the mean or average between these three graphs the same or different? SAME. *click*</a:t>
-            </a:r>
+              <a:spcBef>
+                <a:spcPts val="0"/>
+              </a:spcBef>
+              <a:spcAft>
+                <a:spcPts val="0"/>
+              </a:spcAft>
+              <a:buNone/>
+            </a:pPr>
             <a:endParaRPr>
               <a:solidFill>
                 <a:schemeClr val="dk1"/>
               </a:solidFill>
             </a:endParaRPr>
-          </a:p>
-          <a:p>
-            <a:pPr marL="0" lvl="0" indent="0" algn="l" rtl="0">
-              <a:spcBef>
-                <a:spcPts val="0"/>
-              </a:spcBef>
-              <a:spcAft>
-                <a:spcPts val="0"/>
-              </a:spcAft>
-              <a:buNone/>
-            </a:pPr>
-            <a:endParaRPr/>
           </a:p>
         </p:txBody>
       </p:sp>
@@ -2709,7 +2656,7 @@
   <p:cSld>
     <p:spTree>
       <p:nvGrpSpPr>
-        <p:cNvPr id="1" name="Shape 219"/>
+        <p:cNvPr id="1" name="Shape 225"/>
         <p:cNvGrpSpPr/>
         <p:nvPr/>
       </p:nvGrpSpPr>
@@ -2723,7 +2670,7 @@
       </p:grpSpPr>
       <p:sp>
         <p:nvSpPr>
-          <p:cNvPr id="220" name="Google Shape;220;g517ee9f7f1_0_110:notes"/>
+          <p:cNvPr id="226" name="Google Shape;226;g517ee9f7f1_0_116:notes"/>
           <p:cNvSpPr>
             <a:spLocks noGrp="1" noRot="1" noChangeAspect="1"/>
           </p:cNvSpPr>
@@ -2764,7 +2711,7 @@
       </p:sp>
       <p:sp>
         <p:nvSpPr>
-          <p:cNvPr id="221" name="Google Shape;221;g517ee9f7f1_0_110:notes"/>
+          <p:cNvPr id="227" name="Google Shape;227;g517ee9f7f1_0_116:notes"/>
           <p:cNvSpPr txBox="1">
             <a:spLocks noGrp="1"/>
           </p:cNvSpPr>
@@ -2810,7 +2757,39 @@
                   <a:schemeClr val="dk1"/>
                 </a:solidFill>
               </a:rPr>
-              <a:t>Go ahead and decide, in your head, which graph has the largest deviation. Think about it for a sec….[wait time]... And on 3, go ahead and tell me on your fingers what you think...3, 2, 1… tell me.</a:t>
+              <a:t>[feedback]</a:t>
+            </a:r>
+            <a:endParaRPr>
+              <a:solidFill>
+                <a:schemeClr val="dk1"/>
+              </a:solidFill>
+            </a:endParaRPr>
+          </a:p>
+          <a:p>
+            <a:pPr marL="0" lvl="0" indent="0" algn="l" rtl="0">
+              <a:lnSpc>
+                <a:spcPct val="115000"/>
+              </a:lnSpc>
+              <a:spcBef>
+                <a:spcPts val="0"/>
+              </a:spcBef>
+              <a:spcAft>
+                <a:spcPts val="0"/>
+              </a:spcAft>
+              <a:buClr>
+                <a:schemeClr val="dk1"/>
+              </a:buClr>
+              <a:buSzPts val="1100"/>
+              <a:buFont typeface="Arial"/>
+              <a:buNone/>
+            </a:pPr>
+            <a:r>
+              <a:rPr lang="en">
+                <a:solidFill>
+                  <a:schemeClr val="dk1"/>
+                </a:solidFill>
+              </a:rPr>
+              <a:t>You can see that measures of central tendency (e.g. mean) are the same in all graphs, these data are extremely different from each other. That’s why you’ll also see a measure of dispersion (standard deviation) reported along with mean with descriptive statistics.</a:t>
             </a:r>
             <a:endParaRPr>
               <a:solidFill>
@@ -2849,7 +2828,7 @@
   <p:cSld>
     <p:spTree>
       <p:nvGrpSpPr>
-        <p:cNvPr id="1" name="Shape 225"/>
+        <p:cNvPr id="1" name="Shape 231"/>
         <p:cNvGrpSpPr/>
         <p:nvPr/>
       </p:nvGrpSpPr>
@@ -2863,7 +2842,7 @@
       </p:grpSpPr>
       <p:sp>
         <p:nvSpPr>
-          <p:cNvPr id="226" name="Google Shape;226;g517ee9f7f1_0_116:notes"/>
+          <p:cNvPr id="232" name="Google Shape;232;g517ee9f7f1_0_123:notes"/>
           <p:cNvSpPr>
             <a:spLocks noGrp="1" noRot="1" noChangeAspect="1"/>
           </p:cNvSpPr>
@@ -2904,7 +2883,7 @@
       </p:sp>
       <p:sp>
         <p:nvSpPr>
-          <p:cNvPr id="227" name="Google Shape;227;g517ee9f7f1_0_116:notes"/>
+          <p:cNvPr id="233" name="Google Shape;233;g517ee9f7f1_0_123:notes"/>
           <p:cNvSpPr txBox="1">
             <a:spLocks noGrp="1"/>
           </p:cNvSpPr>
@@ -2928,83 +2907,15 @@
           <a:lstStyle/>
           <a:p>
             <a:pPr marL="0" lvl="0" indent="0" algn="l" rtl="0">
-              <a:lnSpc>
-                <a:spcPct val="115000"/>
-              </a:lnSpc>
-              <a:spcBef>
-                <a:spcPts val="0"/>
-              </a:spcBef>
-              <a:spcAft>
-                <a:spcPts val="0"/>
-              </a:spcAft>
-              <a:buClr>
-                <a:schemeClr val="dk1"/>
-              </a:buClr>
-              <a:buSzPts val="1100"/>
-              <a:buFont typeface="Arial"/>
-              <a:buNone/>
-            </a:pPr>
-            <a:r>
-              <a:rPr lang="en">
-                <a:solidFill>
-                  <a:schemeClr val="dk1"/>
-                </a:solidFill>
-              </a:rPr>
-              <a:t>[feedback]</a:t>
-            </a:r>
-            <a:endParaRPr>
-              <a:solidFill>
-                <a:schemeClr val="dk1"/>
-              </a:solidFill>
-            </a:endParaRPr>
-          </a:p>
-          <a:p>
-            <a:pPr marL="0" lvl="0" indent="0" algn="l" rtl="0">
-              <a:lnSpc>
-                <a:spcPct val="115000"/>
-              </a:lnSpc>
-              <a:spcBef>
-                <a:spcPts val="0"/>
-              </a:spcBef>
-              <a:spcAft>
-                <a:spcPts val="0"/>
-              </a:spcAft>
-              <a:buClr>
-                <a:schemeClr val="dk1"/>
-              </a:buClr>
-              <a:buSzPts val="1100"/>
-              <a:buFont typeface="Arial"/>
-              <a:buNone/>
-            </a:pPr>
-            <a:r>
-              <a:rPr lang="en">
-                <a:solidFill>
-                  <a:schemeClr val="dk1"/>
-                </a:solidFill>
-              </a:rPr>
-              <a:t>You can see that measures of central tendency (e.g. mean) are the same in all graphs, these data are extremely different from each other. That’s why you’ll also see a measure of dispersion (standard deviation) reported along with mean with descriptive statistics.</a:t>
-            </a:r>
-            <a:endParaRPr>
-              <a:solidFill>
-                <a:schemeClr val="dk1"/>
-              </a:solidFill>
-            </a:endParaRPr>
-          </a:p>
-          <a:p>
-            <a:pPr marL="0" lvl="0" indent="0" algn="l" rtl="0">
-              <a:spcBef>
-                <a:spcPts val="0"/>
-              </a:spcBef>
-              <a:spcAft>
-                <a:spcPts val="0"/>
-              </a:spcAft>
-              <a:buNone/>
-            </a:pPr>
-            <a:endParaRPr>
-              <a:solidFill>
-                <a:schemeClr val="dk1"/>
-              </a:solidFill>
-            </a:endParaRPr>
+              <a:spcBef>
+                <a:spcPts val="0"/>
+              </a:spcBef>
+              <a:spcAft>
+                <a:spcPts val="0"/>
+              </a:spcAft>
+              <a:buNone/>
+            </a:pPr>
+            <a:endParaRPr/>
           </a:p>
         </p:txBody>
       </p:sp>
@@ -3021,7 +2932,7 @@
   <p:cSld>
     <p:spTree>
       <p:nvGrpSpPr>
-        <p:cNvPr id="1" name="Shape 231"/>
+        <p:cNvPr id="1" name="Shape 237"/>
         <p:cNvGrpSpPr/>
         <p:nvPr/>
       </p:nvGrpSpPr>
@@ -3035,7 +2946,7 @@
       </p:grpSpPr>
       <p:sp>
         <p:nvSpPr>
-          <p:cNvPr id="232" name="Google Shape;232;g517ee9f7f1_0_123:notes"/>
+          <p:cNvPr id="238" name="Google Shape;238;g517ee9f7f1_0_129:notes"/>
           <p:cNvSpPr>
             <a:spLocks noGrp="1" noRot="1" noChangeAspect="1"/>
           </p:cNvSpPr>
@@ -3076,7 +2987,7 @@
       </p:sp>
       <p:sp>
         <p:nvSpPr>
-          <p:cNvPr id="233" name="Google Shape;233;g517ee9f7f1_0_123:notes"/>
+          <p:cNvPr id="239" name="Google Shape;239;g517ee9f7f1_0_129:notes"/>
           <p:cNvSpPr txBox="1">
             <a:spLocks noGrp="1"/>
           </p:cNvSpPr>
@@ -3108,6 +3019,10 @@
               </a:spcAft>
               <a:buNone/>
             </a:pPr>
+            <a:r>
+              <a:rPr lang="en"/>
+              <a:t>Same goes for any kind of effect size: usually the absolute value of the differences</a:t>
+            </a:r>
             <a:endParaRPr/>
           </a:p>
         </p:txBody>
@@ -3125,7 +3040,7 @@
   <p:cSld>
     <p:spTree>
       <p:nvGrpSpPr>
-        <p:cNvPr id="1" name="Shape 237"/>
+        <p:cNvPr id="1" name="Shape 249"/>
         <p:cNvGrpSpPr/>
         <p:nvPr/>
       </p:nvGrpSpPr>
@@ -3139,7 +3054,7 @@
       </p:grpSpPr>
       <p:sp>
         <p:nvSpPr>
-          <p:cNvPr id="238" name="Google Shape;238;g517ee9f7f1_0_129:notes"/>
+          <p:cNvPr id="250" name="Google Shape;250;g517ee9f7f1_0_136:notes"/>
           <p:cNvSpPr>
             <a:spLocks noGrp="1" noRot="1" noChangeAspect="1"/>
           </p:cNvSpPr>
@@ -3180,7 +3095,7 @@
       </p:sp>
       <p:sp>
         <p:nvSpPr>
-          <p:cNvPr id="239" name="Google Shape;239;g517ee9f7f1_0_129:notes"/>
+          <p:cNvPr id="251" name="Google Shape;251;g517ee9f7f1_0_136:notes"/>
           <p:cNvSpPr txBox="1">
             <a:spLocks noGrp="1"/>
           </p:cNvSpPr>
@@ -3214,7 +3129,7 @@
             </a:pPr>
             <a:r>
               <a:rPr lang="en"/>
-              <a:t>Same goes for any kind of effect size: usually the absolute value of the differences</a:t>
+              <a:t>-&gt; if you don’t know these concepts, let’s chat</a:t>
             </a:r>
             <a:endParaRPr/>
           </a:p>
@@ -3233,7 +3148,7 @@
   <p:cSld>
     <p:spTree>
       <p:nvGrpSpPr>
-        <p:cNvPr id="1" name="Shape 249"/>
+        <p:cNvPr id="1" name="Shape 345"/>
         <p:cNvGrpSpPr/>
         <p:nvPr/>
       </p:nvGrpSpPr>
@@ -3247,7 +3162,7 @@
       </p:grpSpPr>
       <p:sp>
         <p:nvSpPr>
-          <p:cNvPr id="250" name="Google Shape;250;g517ee9f7f1_0_136:notes"/>
+          <p:cNvPr id="346" name="Google Shape;346;g57860a7bc3_0_200:notes"/>
           <p:cNvSpPr>
             <a:spLocks noGrp="1" noRot="1" noChangeAspect="1"/>
           </p:cNvSpPr>
@@ -3257,7 +3172,7 @@
         </p:nvSpPr>
         <p:spPr>
           <a:xfrm>
-            <a:off x="381300" y="685800"/>
+            <a:off x="381000" y="685800"/>
             <a:ext cx="6096000" cy="3429000"/>
           </a:xfrm>
           <a:custGeom>
@@ -3288,7 +3203,7 @@
       </p:sp>
       <p:sp>
         <p:nvSpPr>
-          <p:cNvPr id="251" name="Google Shape;251;g517ee9f7f1_0_136:notes"/>
+          <p:cNvPr id="347" name="Google Shape;347;g57860a7bc3_0_200:notes"/>
           <p:cNvSpPr txBox="1">
             <a:spLocks noGrp="1"/>
           </p:cNvSpPr>
@@ -3321,10 +3236,10 @@
               <a:buNone/>
             </a:pPr>
             <a:r>
-              <a:rPr lang="en"/>
-              <a:t>-&gt; if you don’t know these concepts, let’s chat</a:t>
-            </a:r>
-            <a:endParaRPr/>
+              <a:rPr lang="en-US" dirty="0" smtClean="0"/>
+              <a:t>Red = not covered</a:t>
+            </a:r>
+            <a:endParaRPr dirty="0"/>
           </a:p>
         </p:txBody>
       </p:sp>
@@ -3341,7 +3256,7 @@
   <p:cSld>
     <p:spTree>
       <p:nvGrpSpPr>
-        <p:cNvPr id="1" name="Shape 345"/>
+        <p:cNvPr id="1" name="Shape 351"/>
         <p:cNvGrpSpPr/>
         <p:nvPr/>
       </p:nvGrpSpPr>
@@ -3355,7 +3270,7 @@
       </p:grpSpPr>
       <p:sp>
         <p:nvSpPr>
-          <p:cNvPr id="346" name="Google Shape;346;g57860a7bc3_0_200:notes"/>
+          <p:cNvPr id="352" name="Google Shape;352;g57860a7bc3_0_195:notes"/>
           <p:cNvSpPr>
             <a:spLocks noGrp="1" noRot="1" noChangeAspect="1"/>
           </p:cNvSpPr>
@@ -3365,7 +3280,7 @@
         </p:nvSpPr>
         <p:spPr>
           <a:xfrm>
-            <a:off x="381000" y="685800"/>
+            <a:off x="381300" y="685800"/>
             <a:ext cx="6096000" cy="3429000"/>
           </a:xfrm>
           <a:custGeom>
@@ -3396,7 +3311,7 @@
       </p:sp>
       <p:sp>
         <p:nvSpPr>
-          <p:cNvPr id="347" name="Google Shape;347;g57860a7bc3_0_200:notes"/>
+          <p:cNvPr id="353" name="Google Shape;353;g57860a7bc3_0_195:notes"/>
           <p:cNvSpPr txBox="1">
             <a:spLocks noGrp="1"/>
           </p:cNvSpPr>
@@ -3428,11 +3343,7 @@
               </a:spcAft>
               <a:buNone/>
             </a:pPr>
-            <a:r>
-              <a:rPr lang="en-US" dirty="0" smtClean="0"/>
-              <a:t>Red = not covered</a:t>
-            </a:r>
-            <a:endParaRPr dirty="0"/>
+            <a:endParaRPr/>
           </a:p>
         </p:txBody>
       </p:sp>
@@ -3449,7 +3360,7 @@
   <p:cSld>
     <p:spTree>
       <p:nvGrpSpPr>
-        <p:cNvPr id="1" name="Shape 351"/>
+        <p:cNvPr id="1" name="Shape 357"/>
         <p:cNvGrpSpPr/>
         <p:nvPr/>
       </p:nvGrpSpPr>
@@ -3463,7 +3374,7 @@
       </p:grpSpPr>
       <p:sp>
         <p:nvSpPr>
-          <p:cNvPr id="352" name="Google Shape;352;g57860a7bc3_0_195:notes"/>
+          <p:cNvPr id="358" name="Google Shape;358;g57860a7bc3_0_205:notes"/>
           <p:cNvSpPr>
             <a:spLocks noGrp="1" noRot="1" noChangeAspect="1"/>
           </p:cNvSpPr>
@@ -3504,7 +3415,7 @@
       </p:sp>
       <p:sp>
         <p:nvSpPr>
-          <p:cNvPr id="353" name="Google Shape;353;g57860a7bc3_0_195:notes"/>
+          <p:cNvPr id="359" name="Google Shape;359;g57860a7bc3_0_205:notes"/>
           <p:cNvSpPr txBox="1">
             <a:spLocks noGrp="1"/>
           </p:cNvSpPr>
@@ -3609,110 +3520,6 @@
       <p:sp>
         <p:nvSpPr>
           <p:cNvPr id="101" name="Google Shape;101;g517ee9f7f1_0_64:notes"/>
-          <p:cNvSpPr txBox="1">
-            <a:spLocks noGrp="1"/>
-          </p:cNvSpPr>
-          <p:nvPr>
-            <p:ph type="body" idx="1"/>
-          </p:nvPr>
-        </p:nvSpPr>
-        <p:spPr>
-          <a:xfrm>
-            <a:off x="685800" y="4343400"/>
-            <a:ext cx="5486400" cy="4114800"/>
-          </a:xfrm>
-          <a:prstGeom prst="rect">
-            <a:avLst/>
-          </a:prstGeom>
-        </p:spPr>
-        <p:txBody>
-          <a:bodyPr spcFirstLastPara="1" wrap="square" lIns="91425" tIns="91425" rIns="91425" bIns="91425" anchor="t" anchorCtr="0">
-            <a:noAutofit/>
-          </a:bodyPr>
-          <a:lstStyle/>
-          <a:p>
-            <a:pPr marL="0" lvl="0" indent="0" algn="l" rtl="0">
-              <a:spcBef>
-                <a:spcPts val="0"/>
-              </a:spcBef>
-              <a:spcAft>
-                <a:spcPts val="0"/>
-              </a:spcAft>
-              <a:buNone/>
-            </a:pPr>
-            <a:endParaRPr/>
-          </a:p>
-        </p:txBody>
-      </p:sp>
-    </p:spTree>
-  </p:cSld>
-  <p:clrMapOvr>
-    <a:masterClrMapping/>
-  </p:clrMapOvr>
-</p:notes>
-</file>
-
-<file path=ppt/notesSlides/notesSlide30.xml><?xml version="1.0" encoding="utf-8"?>
-<p:notes xmlns:a="http://schemas.openxmlformats.org/drawingml/2006/main" xmlns:r="http://schemas.openxmlformats.org/officeDocument/2006/relationships" xmlns:p="http://schemas.openxmlformats.org/presentationml/2006/main" showMasterSp="0" showMasterPhAnim="0">
-  <p:cSld>
-    <p:spTree>
-      <p:nvGrpSpPr>
-        <p:cNvPr id="1" name="Shape 357"/>
-        <p:cNvGrpSpPr/>
-        <p:nvPr/>
-      </p:nvGrpSpPr>
-      <p:grpSpPr>
-        <a:xfrm>
-          <a:off x="0" y="0"/>
-          <a:ext cx="0" cy="0"/>
-          <a:chOff x="0" y="0"/>
-          <a:chExt cx="0" cy="0"/>
-        </a:xfrm>
-      </p:grpSpPr>
-      <p:sp>
-        <p:nvSpPr>
-          <p:cNvPr id="358" name="Google Shape;358;g57860a7bc3_0_205:notes"/>
-          <p:cNvSpPr>
-            <a:spLocks noGrp="1" noRot="1" noChangeAspect="1"/>
-          </p:cNvSpPr>
-          <p:nvPr>
-            <p:ph type="sldImg" idx="2"/>
-          </p:nvPr>
-        </p:nvSpPr>
-        <p:spPr>
-          <a:xfrm>
-            <a:off x="381300" y="685800"/>
-            <a:ext cx="6096000" cy="3429000"/>
-          </a:xfrm>
-          <a:custGeom>
-            <a:avLst/>
-            <a:gdLst/>
-            <a:ahLst/>
-            <a:cxnLst/>
-            <a:rect l="l" t="t" r="r" b="b"/>
-            <a:pathLst>
-              <a:path w="120000" h="120000" extrusionOk="0">
-                <a:moveTo>
-                  <a:pt x="0" y="0"/>
-                </a:moveTo>
-                <a:lnTo>
-                  <a:pt x="120000" y="0"/>
-                </a:lnTo>
-                <a:lnTo>
-                  <a:pt x="120000" y="120000"/>
-                </a:lnTo>
-                <a:lnTo>
-                  <a:pt x="0" y="120000"/>
-                </a:lnTo>
-                <a:close/>
-              </a:path>
-            </a:pathLst>
-          </a:custGeom>
-        </p:spPr>
-      </p:sp>
-      <p:sp>
-        <p:nvSpPr>
-          <p:cNvPr id="359" name="Google Shape;359;g57860a7bc3_0_205:notes"/>
           <p:cNvSpPr txBox="1">
             <a:spLocks noGrp="1"/>
           </p:cNvSpPr>
@@ -11806,215 +11613,6 @@
   <p:cSld>
     <p:spTree>
       <p:nvGrpSpPr>
-        <p:cNvPr id="1" name="Shape 179"/>
-        <p:cNvGrpSpPr/>
-        <p:nvPr/>
-      </p:nvGrpSpPr>
-      <p:grpSpPr>
-        <a:xfrm>
-          <a:off x="0" y="0"/>
-          <a:ext cx="0" cy="0"/>
-          <a:chOff x="0" y="0"/>
-          <a:chExt cx="0" cy="0"/>
-        </a:xfrm>
-      </p:grpSpPr>
-      <p:sp>
-        <p:nvSpPr>
-          <p:cNvPr id="180" name="Google Shape;180;p28"/>
-          <p:cNvSpPr txBox="1">
-            <a:spLocks noGrp="1"/>
-          </p:cNvSpPr>
-          <p:nvPr>
-            <p:ph type="body" idx="1"/>
-          </p:nvPr>
-        </p:nvSpPr>
-        <p:spPr>
-          <a:xfrm>
-            <a:off x="893700" y="1221200"/>
-            <a:ext cx="6927900" cy="3552300"/>
-          </a:xfrm>
-          <a:prstGeom prst="rect">
-            <a:avLst/>
-          </a:prstGeom>
-        </p:spPr>
-        <p:txBody>
-          <a:bodyPr spcFirstLastPara="1" wrap="square" lIns="91425" tIns="91425" rIns="91425" bIns="91425" anchor="t" anchorCtr="0">
-            <a:noAutofit/>
-          </a:bodyPr>
-          <a:lstStyle/>
-          <a:p>
-            <a:pPr marL="0" lvl="0" indent="0" algn="l" rtl="0">
-              <a:spcBef>
-                <a:spcPts val="600"/>
-              </a:spcBef>
-              <a:spcAft>
-                <a:spcPts val="0"/>
-              </a:spcAft>
-              <a:buNone/>
-            </a:pPr>
-            <a:r>
-              <a:rPr lang="en" sz="2400" i="1" u="sng"/>
-              <a:t>What method would you use to test...</a:t>
-            </a:r>
-            <a:endParaRPr sz="2400" i="1" u="sng"/>
-          </a:p>
-          <a:p>
-            <a:pPr marL="0" lvl="0" indent="0" algn="l" rtl="0">
-              <a:spcBef>
-                <a:spcPts val="600"/>
-              </a:spcBef>
-              <a:spcAft>
-                <a:spcPts val="0"/>
-              </a:spcAft>
-              <a:buNone/>
-            </a:pPr>
-            <a:r>
-              <a:rPr lang="en" sz="2400"/>
-              <a:t>Does synchronized attention predict learning?</a:t>
-            </a:r>
-            <a:endParaRPr sz="2400"/>
-          </a:p>
-          <a:p>
-            <a:pPr marL="0" lvl="0" indent="0" algn="l" rtl="0">
-              <a:spcBef>
-                <a:spcPts val="600"/>
-              </a:spcBef>
-              <a:spcAft>
-                <a:spcPts val="0"/>
-              </a:spcAft>
-              <a:buNone/>
-            </a:pPr>
-            <a:endParaRPr sz="1000"/>
-          </a:p>
-          <a:p>
-            <a:pPr marL="0" lvl="0" indent="0" algn="l" rtl="0">
-              <a:spcBef>
-                <a:spcPts val="600"/>
-              </a:spcBef>
-              <a:spcAft>
-                <a:spcPts val="0"/>
-              </a:spcAft>
-              <a:buNone/>
-            </a:pPr>
-            <a:r>
-              <a:rPr lang="en" sz="2400"/>
-              <a:t>Is prefrontal cortex necessary for optimizing our multi-tasking?</a:t>
-            </a:r>
-            <a:endParaRPr sz="2400"/>
-          </a:p>
-          <a:p>
-            <a:pPr marL="0" lvl="0" indent="0" algn="l" rtl="0">
-              <a:spcBef>
-                <a:spcPts val="600"/>
-              </a:spcBef>
-              <a:spcAft>
-                <a:spcPts val="0"/>
-              </a:spcAft>
-              <a:buNone/>
-            </a:pPr>
-            <a:endParaRPr sz="1000"/>
-          </a:p>
-          <a:p>
-            <a:pPr marL="0" lvl="0" indent="0" algn="l" rtl="0">
-              <a:spcBef>
-                <a:spcPts val="600"/>
-              </a:spcBef>
-              <a:spcAft>
-                <a:spcPts val="0"/>
-              </a:spcAft>
-              <a:buNone/>
-            </a:pPr>
-            <a:r>
-              <a:rPr lang="en" sz="2400"/>
-              <a:t>How does curiosity change on a daily basis?</a:t>
-            </a:r>
-            <a:endParaRPr sz="2400"/>
-          </a:p>
-          <a:p>
-            <a:pPr marL="0" lvl="0" indent="0" algn="l" rtl="0">
-              <a:spcBef>
-                <a:spcPts val="600"/>
-              </a:spcBef>
-              <a:spcAft>
-                <a:spcPts val="0"/>
-              </a:spcAft>
-              <a:buNone/>
-            </a:pPr>
-            <a:endParaRPr sz="1000"/>
-          </a:p>
-          <a:p>
-            <a:pPr marL="0" lvl="0" indent="0" algn="l" rtl="0">
-              <a:spcBef>
-                <a:spcPts val="600"/>
-              </a:spcBef>
-              <a:spcAft>
-                <a:spcPts val="0"/>
-              </a:spcAft>
-              <a:buNone/>
-            </a:pPr>
-            <a:r>
-              <a:rPr lang="en" sz="2400"/>
-              <a:t>Do our decisions depend on the value we associate with different options?</a:t>
-            </a:r>
-            <a:endParaRPr sz="2400"/>
-          </a:p>
-        </p:txBody>
-      </p:sp>
-      <p:sp>
-        <p:nvSpPr>
-          <p:cNvPr id="181" name="Google Shape;181;p28"/>
-          <p:cNvSpPr txBox="1">
-            <a:spLocks noGrp="1"/>
-          </p:cNvSpPr>
-          <p:nvPr>
-            <p:ph type="title"/>
-          </p:nvPr>
-        </p:nvSpPr>
-        <p:spPr>
-          <a:xfrm>
-            <a:off x="893700" y="358388"/>
-            <a:ext cx="6462600" cy="857400"/>
-          </a:xfrm>
-          <a:prstGeom prst="rect">
-            <a:avLst/>
-          </a:prstGeom>
-        </p:spPr>
-        <p:txBody>
-          <a:bodyPr spcFirstLastPara="1" wrap="square" lIns="91425" tIns="91425" rIns="91425" bIns="91425" anchor="b" anchorCtr="0">
-            <a:noAutofit/>
-          </a:bodyPr>
-          <a:lstStyle/>
-          <a:p>
-            <a:pPr marL="0" lvl="0" indent="0" algn="l" rtl="0">
-              <a:spcBef>
-                <a:spcPts val="0"/>
-              </a:spcBef>
-              <a:spcAft>
-                <a:spcPts val="0"/>
-              </a:spcAft>
-              <a:buNone/>
-            </a:pPr>
-            <a:r>
-              <a:rPr lang="en"/>
-              <a:t>With your team, come up with sample expt ideas</a:t>
-            </a:r>
-            <a:endParaRPr/>
-          </a:p>
-        </p:txBody>
-      </p:sp>
-    </p:spTree>
-  </p:cSld>
-  <p:clrMapOvr>
-    <a:masterClrMapping/>
-  </p:clrMapOvr>
-</p:sld>
-</file>
-
-<file path=ppt/slides/slide17.xml><?xml version="1.0" encoding="utf-8"?>
-<p:sld xmlns:a="http://schemas.openxmlformats.org/drawingml/2006/main" xmlns:r="http://schemas.openxmlformats.org/officeDocument/2006/relationships" xmlns:p="http://schemas.openxmlformats.org/presentationml/2006/main">
-  <p:cSld>
-    <p:spTree>
-      <p:nvGrpSpPr>
         <p:cNvPr id="1" name="Shape 185"/>
         <p:cNvGrpSpPr/>
         <p:nvPr/>
@@ -12396,7 +11994,7 @@
 </p:sld>
 </file>
 
-<file path=ppt/slides/slide18.xml><?xml version="1.0" encoding="utf-8"?>
+<file path=ppt/slides/slide17.xml><?xml version="1.0" encoding="utf-8"?>
 <p:sld xmlns:a="http://schemas.openxmlformats.org/drawingml/2006/main" xmlns:r="http://schemas.openxmlformats.org/officeDocument/2006/relationships" xmlns:p="http://schemas.openxmlformats.org/presentationml/2006/main">
   <p:cSld>
     <p:spTree>
@@ -12751,7 +12349,7 @@
 </p:sld>
 </file>
 
-<file path=ppt/slides/slide19.xml><?xml version="1.0" encoding="utf-8"?>
+<file path=ppt/slides/slide18.xml><?xml version="1.0" encoding="utf-8"?>
 <p:sld xmlns:a="http://schemas.openxmlformats.org/drawingml/2006/main" xmlns:r="http://schemas.openxmlformats.org/officeDocument/2006/relationships" xmlns:p="http://schemas.openxmlformats.org/presentationml/2006/main">
   <p:cSld>
     <p:spTree>
@@ -12890,6 +12488,101 @@
           </a:p>
         </p:txBody>
       </p:sp>
+    </p:spTree>
+  </p:cSld>
+  <p:clrMapOvr>
+    <a:masterClrMapping/>
+  </p:clrMapOvr>
+</p:sld>
+</file>
+
+<file path=ppt/slides/slide19.xml><?xml version="1.0" encoding="utf-8"?>
+<p:sld xmlns:a="http://schemas.openxmlformats.org/drawingml/2006/main" xmlns:r="http://schemas.openxmlformats.org/officeDocument/2006/relationships" xmlns:p="http://schemas.openxmlformats.org/presentationml/2006/main">
+  <p:cSld>
+    <p:spTree>
+      <p:nvGrpSpPr>
+        <p:cNvPr id="1" name="Shape 204"/>
+        <p:cNvGrpSpPr/>
+        <p:nvPr/>
+      </p:nvGrpSpPr>
+      <p:grpSpPr>
+        <a:xfrm>
+          <a:off x="0" y="0"/>
+          <a:ext cx="0" cy="0"/>
+          <a:chOff x="0" y="0"/>
+          <a:chExt cx="0" cy="0"/>
+        </a:xfrm>
+      </p:grpSpPr>
+      <p:sp>
+        <p:nvSpPr>
+          <p:cNvPr id="205" name="Google Shape;205;p32"/>
+          <p:cNvSpPr txBox="1">
+            <a:spLocks noGrp="1"/>
+          </p:cNvSpPr>
+          <p:nvPr>
+            <p:ph type="title"/>
+          </p:nvPr>
+        </p:nvSpPr>
+        <p:spPr>
+          <a:xfrm>
+            <a:off x="893700" y="206000"/>
+            <a:ext cx="7603800" cy="857400"/>
+          </a:xfrm>
+          <a:prstGeom prst="rect">
+            <a:avLst/>
+          </a:prstGeom>
+        </p:spPr>
+        <p:txBody>
+          <a:bodyPr spcFirstLastPara="1" wrap="square" lIns="91425" tIns="91425" rIns="91425" bIns="91425" anchor="b" anchorCtr="0">
+            <a:noAutofit/>
+          </a:bodyPr>
+          <a:lstStyle/>
+          <a:p>
+            <a:pPr marL="0" lvl="0" indent="0" algn="l" rtl="0">
+              <a:spcBef>
+                <a:spcPts val="0"/>
+              </a:spcBef>
+              <a:spcAft>
+                <a:spcPts val="0"/>
+              </a:spcAft>
+              <a:buNone/>
+            </a:pPr>
+            <a:r>
+              <a:rPr lang="en"/>
+              <a:t>Descriptive vs. Inferential Statistics</a:t>
+            </a:r>
+            <a:endParaRPr/>
+          </a:p>
+        </p:txBody>
+      </p:sp>
+      <p:pic>
+        <p:nvPicPr>
+          <p:cNvPr id="206" name="Google Shape;206;p32"/>
+          <p:cNvPicPr preferRelativeResize="0"/>
+          <p:nvPr/>
+        </p:nvPicPr>
+        <p:blipFill>
+          <a:blip r:embed="rId3">
+            <a:alphaModFix/>
+          </a:blip>
+          <a:stretch>
+            <a:fillRect/>
+          </a:stretch>
+        </p:blipFill>
+        <p:spPr>
+          <a:xfrm>
+            <a:off x="4649450" y="1796675"/>
+            <a:ext cx="3505200" cy="1743075"/>
+          </a:xfrm>
+          <a:prstGeom prst="rect">
+            <a:avLst/>
+          </a:prstGeom>
+          <a:noFill/>
+          <a:ln>
+            <a:noFill/>
+          </a:ln>
+        </p:spPr>
+      </p:pic>
     </p:spTree>
   </p:cSld>
   <p:clrMapOvr>
@@ -13231,101 +12924,6 @@
   <p:cSld>
     <p:spTree>
       <p:nvGrpSpPr>
-        <p:cNvPr id="1" name="Shape 204"/>
-        <p:cNvGrpSpPr/>
-        <p:nvPr/>
-      </p:nvGrpSpPr>
-      <p:grpSpPr>
-        <a:xfrm>
-          <a:off x="0" y="0"/>
-          <a:ext cx="0" cy="0"/>
-          <a:chOff x="0" y="0"/>
-          <a:chExt cx="0" cy="0"/>
-        </a:xfrm>
-      </p:grpSpPr>
-      <p:sp>
-        <p:nvSpPr>
-          <p:cNvPr id="205" name="Google Shape;205;p32"/>
-          <p:cNvSpPr txBox="1">
-            <a:spLocks noGrp="1"/>
-          </p:cNvSpPr>
-          <p:nvPr>
-            <p:ph type="title"/>
-          </p:nvPr>
-        </p:nvSpPr>
-        <p:spPr>
-          <a:xfrm>
-            <a:off x="893700" y="206000"/>
-            <a:ext cx="7603800" cy="857400"/>
-          </a:xfrm>
-          <a:prstGeom prst="rect">
-            <a:avLst/>
-          </a:prstGeom>
-        </p:spPr>
-        <p:txBody>
-          <a:bodyPr spcFirstLastPara="1" wrap="square" lIns="91425" tIns="91425" rIns="91425" bIns="91425" anchor="b" anchorCtr="0">
-            <a:noAutofit/>
-          </a:bodyPr>
-          <a:lstStyle/>
-          <a:p>
-            <a:pPr marL="0" lvl="0" indent="0" algn="l" rtl="0">
-              <a:spcBef>
-                <a:spcPts val="0"/>
-              </a:spcBef>
-              <a:spcAft>
-                <a:spcPts val="0"/>
-              </a:spcAft>
-              <a:buNone/>
-            </a:pPr>
-            <a:r>
-              <a:rPr lang="en"/>
-              <a:t>Descriptive vs. Inferential Statistics</a:t>
-            </a:r>
-            <a:endParaRPr/>
-          </a:p>
-        </p:txBody>
-      </p:sp>
-      <p:pic>
-        <p:nvPicPr>
-          <p:cNvPr id="206" name="Google Shape;206;p32"/>
-          <p:cNvPicPr preferRelativeResize="0"/>
-          <p:nvPr/>
-        </p:nvPicPr>
-        <p:blipFill>
-          <a:blip r:embed="rId3">
-            <a:alphaModFix/>
-          </a:blip>
-          <a:stretch>
-            <a:fillRect/>
-          </a:stretch>
-        </p:blipFill>
-        <p:spPr>
-          <a:xfrm>
-            <a:off x="4649450" y="1796675"/>
-            <a:ext cx="3505200" cy="1743075"/>
-          </a:xfrm>
-          <a:prstGeom prst="rect">
-            <a:avLst/>
-          </a:prstGeom>
-          <a:noFill/>
-          <a:ln>
-            <a:noFill/>
-          </a:ln>
-        </p:spPr>
-      </p:pic>
-    </p:spTree>
-  </p:cSld>
-  <p:clrMapOvr>
-    <a:masterClrMapping/>
-  </p:clrMapOvr>
-</p:sld>
-</file>
-
-<file path=ppt/slides/slide21.xml><?xml version="1.0" encoding="utf-8"?>
-<p:sld xmlns:a="http://schemas.openxmlformats.org/drawingml/2006/main" xmlns:r="http://schemas.openxmlformats.org/officeDocument/2006/relationships" xmlns:p="http://schemas.openxmlformats.org/presentationml/2006/main">
-  <p:cSld>
-    <p:spTree>
-      <p:nvGrpSpPr>
         <p:cNvPr id="1" name="Shape 210"/>
         <p:cNvGrpSpPr/>
         <p:nvPr/>
@@ -13416,7 +13014,7 @@
 </p:sld>
 </file>
 
-<file path=ppt/slides/slide22.xml><?xml version="1.0" encoding="utf-8"?>
+<file path=ppt/slides/slide21.xml><?xml version="1.0" encoding="utf-8"?>
 <p:sld xmlns:a="http://schemas.openxmlformats.org/drawingml/2006/main" xmlns:r="http://schemas.openxmlformats.org/officeDocument/2006/relationships" xmlns:p="http://schemas.openxmlformats.org/presentationml/2006/main">
   <p:cSld>
     <p:spTree>
@@ -13511,7 +13109,7 @@
 </p:sld>
 </file>
 
-<file path=ppt/slides/slide23.xml><?xml version="1.0" encoding="utf-8"?>
+<file path=ppt/slides/slide22.xml><?xml version="1.0" encoding="utf-8"?>
 <p:sld xmlns:a="http://schemas.openxmlformats.org/drawingml/2006/main" xmlns:r="http://schemas.openxmlformats.org/officeDocument/2006/relationships" xmlns:p="http://schemas.openxmlformats.org/presentationml/2006/main">
   <p:cSld>
     <p:spTree>
@@ -13606,7 +13204,7 @@
 </p:sld>
 </file>
 
-<file path=ppt/slides/slide24.xml><?xml version="1.0" encoding="utf-8"?>
+<file path=ppt/slides/slide23.xml><?xml version="1.0" encoding="utf-8"?>
 <p:sld xmlns:a="http://schemas.openxmlformats.org/drawingml/2006/main" xmlns:r="http://schemas.openxmlformats.org/officeDocument/2006/relationships" xmlns:p="http://schemas.openxmlformats.org/presentationml/2006/main">
   <p:cSld>
     <p:spTree>
@@ -13701,7 +13299,7 @@
 </p:sld>
 </file>
 
-<file path=ppt/slides/slide25.xml><?xml version="1.0" encoding="utf-8"?>
+<file path=ppt/slides/slide24.xml><?xml version="1.0" encoding="utf-8"?>
 <p:sld xmlns:a="http://schemas.openxmlformats.org/drawingml/2006/main" xmlns:r="http://schemas.openxmlformats.org/officeDocument/2006/relationships" xmlns:p="http://schemas.openxmlformats.org/presentationml/2006/main">
   <p:cSld>
     <p:spTree>
@@ -13796,7 +13394,7 @@
 </p:sld>
 </file>
 
-<file path=ppt/slides/slide26.xml><?xml version="1.0" encoding="utf-8"?>
+<file path=ppt/slides/slide25.xml><?xml version="1.0" encoding="utf-8"?>
 <p:sld xmlns:a="http://schemas.openxmlformats.org/drawingml/2006/main" xmlns:r="http://schemas.openxmlformats.org/officeDocument/2006/relationships" xmlns:p="http://schemas.openxmlformats.org/presentationml/2006/main">
   <p:cSld>
     <p:spTree>
@@ -13890,7 +13488,7 @@
 </p:sld>
 </file>
 
-<file path=ppt/slides/slide27.xml><?xml version="1.0" encoding="utf-8"?>
+<file path=ppt/slides/slide26.xml><?xml version="1.0" encoding="utf-8"?>
 <p:sld xmlns:a="http://schemas.openxmlformats.org/drawingml/2006/main" xmlns:r="http://schemas.openxmlformats.org/officeDocument/2006/relationships" xmlns:p="http://schemas.openxmlformats.org/presentationml/2006/main">
   <p:cSld>
     <p:spTree>
@@ -14199,7 +13797,7 @@
 </p:sld>
 </file>
 
-<file path=ppt/slides/slide28.xml><?xml version="1.0" encoding="utf-8"?>
+<file path=ppt/slides/slide27.xml><?xml version="1.0" encoding="utf-8"?>
 <p:sld xmlns:a="http://schemas.openxmlformats.org/drawingml/2006/main" xmlns:r="http://schemas.openxmlformats.org/officeDocument/2006/relationships" xmlns:p="http://schemas.openxmlformats.org/presentationml/2006/main">
   <p:cSld>
     <p:spTree>
@@ -14632,7 +14230,7 @@
 </p:sld>
 </file>
 
-<file path=ppt/slides/slide29.xml><?xml version="1.0" encoding="utf-8"?>
+<file path=ppt/slides/slide28.xml><?xml version="1.0" encoding="utf-8"?>
 <p:sld xmlns:a="http://schemas.openxmlformats.org/drawingml/2006/main" xmlns:r="http://schemas.openxmlformats.org/officeDocument/2006/relationships" xmlns:p="http://schemas.openxmlformats.org/presentationml/2006/main">
   <p:cSld>
     <p:spTree>
@@ -14828,6 +14426,165 @@
               <a:buNone/>
             </a:pPr>
             <a:endParaRPr sz="1400"/>
+          </a:p>
+        </p:txBody>
+      </p:sp>
+    </p:spTree>
+  </p:cSld>
+  <p:clrMapOvr>
+    <a:masterClrMapping/>
+  </p:clrMapOvr>
+</p:sld>
+</file>
+
+<file path=ppt/slides/slide29.xml><?xml version="1.0" encoding="utf-8"?>
+<p:sld xmlns:a="http://schemas.openxmlformats.org/drawingml/2006/main" xmlns:r="http://schemas.openxmlformats.org/officeDocument/2006/relationships" xmlns:p="http://schemas.openxmlformats.org/presentationml/2006/main">
+  <p:cSld>
+    <p:spTree>
+      <p:nvGrpSpPr>
+        <p:cNvPr id="1" name="Shape 360"/>
+        <p:cNvGrpSpPr/>
+        <p:nvPr/>
+      </p:nvGrpSpPr>
+      <p:grpSpPr>
+        <a:xfrm>
+          <a:off x="0" y="0"/>
+          <a:ext cx="0" cy="0"/>
+          <a:chOff x="0" y="0"/>
+          <a:chExt cx="0" cy="0"/>
+        </a:xfrm>
+      </p:grpSpPr>
+      <p:sp>
+        <p:nvSpPr>
+          <p:cNvPr id="361" name="Google Shape;361;p57"/>
+          <p:cNvSpPr txBox="1">
+            <a:spLocks noGrp="1"/>
+          </p:cNvSpPr>
+          <p:nvPr>
+            <p:ph type="title"/>
+          </p:nvPr>
+        </p:nvSpPr>
+        <p:spPr>
+          <a:xfrm>
+            <a:off x="893700" y="205988"/>
+            <a:ext cx="6462600" cy="857400"/>
+          </a:xfrm>
+          <a:prstGeom prst="rect">
+            <a:avLst/>
+          </a:prstGeom>
+        </p:spPr>
+        <p:txBody>
+          <a:bodyPr spcFirstLastPara="1" wrap="square" lIns="91425" tIns="91425" rIns="91425" bIns="91425" anchor="b" anchorCtr="0">
+            <a:noAutofit/>
+          </a:bodyPr>
+          <a:lstStyle/>
+          <a:p>
+            <a:pPr marL="0" lvl="0" indent="0" algn="l" rtl="0">
+              <a:spcBef>
+                <a:spcPts val="0"/>
+              </a:spcBef>
+              <a:spcAft>
+                <a:spcPts val="0"/>
+              </a:spcAft>
+              <a:buNone/>
+            </a:pPr>
+            <a:r>
+              <a:rPr lang="en"/>
+              <a:t>Participation + Minute Paper</a:t>
+            </a:r>
+            <a:endParaRPr/>
+          </a:p>
+        </p:txBody>
+      </p:sp>
+      <p:sp>
+        <p:nvSpPr>
+          <p:cNvPr id="362" name="Google Shape;362;p57"/>
+          <p:cNvSpPr txBox="1">
+            <a:spLocks noGrp="1"/>
+          </p:cNvSpPr>
+          <p:nvPr>
+            <p:ph type="body" idx="1"/>
+          </p:nvPr>
+        </p:nvSpPr>
+        <p:spPr>
+          <a:xfrm>
+            <a:off x="499375" y="1373600"/>
+            <a:ext cx="8239500" cy="3552300"/>
+          </a:xfrm>
+          <a:prstGeom prst="rect">
+            <a:avLst/>
+          </a:prstGeom>
+        </p:spPr>
+        <p:txBody>
+          <a:bodyPr spcFirstLastPara="1" wrap="square" lIns="91425" tIns="91425" rIns="91425" bIns="91425" anchor="t" anchorCtr="0">
+            <a:noAutofit/>
+          </a:bodyPr>
+          <a:lstStyle/>
+          <a:p>
+            <a:pPr marL="0" lvl="0" indent="0" algn="l" rtl="0">
+              <a:spcBef>
+                <a:spcPts val="600"/>
+              </a:spcBef>
+              <a:spcAft>
+                <a:spcPts val="0"/>
+              </a:spcAft>
+              <a:buNone/>
+            </a:pPr>
+            <a:r>
+              <a:rPr lang="en" u="sng">
+                <a:solidFill>
+                  <a:schemeClr val="hlink"/>
+                </a:solidFill>
+                <a:hlinkClick r:id="rId3"/>
+              </a:rPr>
+              <a:t>https://tinyurl.com/PSY102Participation</a:t>
+            </a:r>
+            <a:endParaRPr/>
+          </a:p>
+          <a:p>
+            <a:pPr marL="0" lvl="0" indent="0" algn="l" rtl="0">
+              <a:spcBef>
+                <a:spcPts val="600"/>
+              </a:spcBef>
+              <a:spcAft>
+                <a:spcPts val="0"/>
+              </a:spcAft>
+              <a:buNone/>
+            </a:pPr>
+            <a:endParaRPr/>
+          </a:p>
+          <a:p>
+            <a:pPr marL="0" lvl="0" indent="0" algn="l" rtl="0">
+              <a:spcBef>
+                <a:spcPts val="600"/>
+              </a:spcBef>
+              <a:spcAft>
+                <a:spcPts val="0"/>
+              </a:spcAft>
+              <a:buNone/>
+            </a:pPr>
+            <a:r>
+              <a:rPr lang="en" u="sng">
+                <a:solidFill>
+                  <a:schemeClr val="hlink"/>
+                </a:solidFill>
+                <a:hlinkClick r:id="rId4"/>
+              </a:rPr>
+              <a:t>https://tinyurl.com/PSY102MinutePaperMay16</a:t>
+            </a:r>
+            <a:endParaRPr/>
+          </a:p>
+          <a:p>
+            <a:pPr marL="0" lvl="0" indent="0" algn="l" rtl="0">
+              <a:spcBef>
+                <a:spcPts val="600"/>
+              </a:spcBef>
+              <a:spcAft>
+                <a:spcPts val="0"/>
+              </a:spcAft>
+              <a:buNone/>
+            </a:pPr>
+            <a:endParaRPr/>
           </a:p>
         </p:txBody>
       </p:sp>
@@ -14975,165 +14732,6 @@
               <a:t>Exchange contact info with your person, in case you need notes or have a question.</a:t>
             </a:r>
             <a:endParaRPr sz="1800"/>
-          </a:p>
-        </p:txBody>
-      </p:sp>
-    </p:spTree>
-  </p:cSld>
-  <p:clrMapOvr>
-    <a:masterClrMapping/>
-  </p:clrMapOvr>
-</p:sld>
-</file>
-
-<file path=ppt/slides/slide30.xml><?xml version="1.0" encoding="utf-8"?>
-<p:sld xmlns:a="http://schemas.openxmlformats.org/drawingml/2006/main" xmlns:r="http://schemas.openxmlformats.org/officeDocument/2006/relationships" xmlns:p="http://schemas.openxmlformats.org/presentationml/2006/main">
-  <p:cSld>
-    <p:spTree>
-      <p:nvGrpSpPr>
-        <p:cNvPr id="1" name="Shape 360"/>
-        <p:cNvGrpSpPr/>
-        <p:nvPr/>
-      </p:nvGrpSpPr>
-      <p:grpSpPr>
-        <a:xfrm>
-          <a:off x="0" y="0"/>
-          <a:ext cx="0" cy="0"/>
-          <a:chOff x="0" y="0"/>
-          <a:chExt cx="0" cy="0"/>
-        </a:xfrm>
-      </p:grpSpPr>
-      <p:sp>
-        <p:nvSpPr>
-          <p:cNvPr id="361" name="Google Shape;361;p57"/>
-          <p:cNvSpPr txBox="1">
-            <a:spLocks noGrp="1"/>
-          </p:cNvSpPr>
-          <p:nvPr>
-            <p:ph type="title"/>
-          </p:nvPr>
-        </p:nvSpPr>
-        <p:spPr>
-          <a:xfrm>
-            <a:off x="893700" y="205988"/>
-            <a:ext cx="6462600" cy="857400"/>
-          </a:xfrm>
-          <a:prstGeom prst="rect">
-            <a:avLst/>
-          </a:prstGeom>
-        </p:spPr>
-        <p:txBody>
-          <a:bodyPr spcFirstLastPara="1" wrap="square" lIns="91425" tIns="91425" rIns="91425" bIns="91425" anchor="b" anchorCtr="0">
-            <a:noAutofit/>
-          </a:bodyPr>
-          <a:lstStyle/>
-          <a:p>
-            <a:pPr marL="0" lvl="0" indent="0" algn="l" rtl="0">
-              <a:spcBef>
-                <a:spcPts val="0"/>
-              </a:spcBef>
-              <a:spcAft>
-                <a:spcPts val="0"/>
-              </a:spcAft>
-              <a:buNone/>
-            </a:pPr>
-            <a:r>
-              <a:rPr lang="en"/>
-              <a:t>Participation + Minute Paper</a:t>
-            </a:r>
-            <a:endParaRPr/>
-          </a:p>
-        </p:txBody>
-      </p:sp>
-      <p:sp>
-        <p:nvSpPr>
-          <p:cNvPr id="362" name="Google Shape;362;p57"/>
-          <p:cNvSpPr txBox="1">
-            <a:spLocks noGrp="1"/>
-          </p:cNvSpPr>
-          <p:nvPr>
-            <p:ph type="body" idx="1"/>
-          </p:nvPr>
-        </p:nvSpPr>
-        <p:spPr>
-          <a:xfrm>
-            <a:off x="499375" y="1373600"/>
-            <a:ext cx="8239500" cy="3552300"/>
-          </a:xfrm>
-          <a:prstGeom prst="rect">
-            <a:avLst/>
-          </a:prstGeom>
-        </p:spPr>
-        <p:txBody>
-          <a:bodyPr spcFirstLastPara="1" wrap="square" lIns="91425" tIns="91425" rIns="91425" bIns="91425" anchor="t" anchorCtr="0">
-            <a:noAutofit/>
-          </a:bodyPr>
-          <a:lstStyle/>
-          <a:p>
-            <a:pPr marL="0" lvl="0" indent="0" algn="l" rtl="0">
-              <a:spcBef>
-                <a:spcPts val="600"/>
-              </a:spcBef>
-              <a:spcAft>
-                <a:spcPts val="0"/>
-              </a:spcAft>
-              <a:buNone/>
-            </a:pPr>
-            <a:r>
-              <a:rPr lang="en" u="sng">
-                <a:solidFill>
-                  <a:schemeClr val="hlink"/>
-                </a:solidFill>
-                <a:hlinkClick r:id="rId3"/>
-              </a:rPr>
-              <a:t>https://tinyurl.com/PSY102Participation</a:t>
-            </a:r>
-            <a:endParaRPr/>
-          </a:p>
-          <a:p>
-            <a:pPr marL="0" lvl="0" indent="0" algn="l" rtl="0">
-              <a:spcBef>
-                <a:spcPts val="600"/>
-              </a:spcBef>
-              <a:spcAft>
-                <a:spcPts val="0"/>
-              </a:spcAft>
-              <a:buNone/>
-            </a:pPr>
-            <a:endParaRPr/>
-          </a:p>
-          <a:p>
-            <a:pPr marL="0" lvl="0" indent="0" algn="l" rtl="0">
-              <a:spcBef>
-                <a:spcPts val="600"/>
-              </a:spcBef>
-              <a:spcAft>
-                <a:spcPts val="0"/>
-              </a:spcAft>
-              <a:buNone/>
-            </a:pPr>
-            <a:r>
-              <a:rPr lang="en" u="sng">
-                <a:solidFill>
-                  <a:schemeClr val="hlink"/>
-                </a:solidFill>
-                <a:hlinkClick r:id="rId4"/>
-              </a:rPr>
-              <a:t>https://tinyurl.com/PSY102MinutePaperMay16</a:t>
-            </a:r>
-            <a:endParaRPr/>
-          </a:p>
-          <a:p>
-            <a:pPr marL="0" lvl="0" indent="0" algn="l" rtl="0">
-              <a:spcBef>
-                <a:spcPts val="600"/>
-              </a:spcBef>
-              <a:spcAft>
-                <a:spcPts val="0"/>
-              </a:spcAft>
-              <a:buNone/>
-            </a:pPr>
-            <a:endParaRPr/>
           </a:p>
         </p:txBody>
       </p:sp>
